--- a/EnCForTheWin/HotReloadAndEditAndContinue.pptx
+++ b/EnCForTheWin/HotReloadAndEditAndContinue.pptx
@@ -12,11 +12,13 @@
     <p:sldId id="262" r:id="rId6"/>
     <p:sldId id="263" r:id="rId7"/>
     <p:sldId id="264" r:id="rId8"/>
-    <p:sldId id="265" r:id="rId9"/>
-    <p:sldId id="268" r:id="rId10"/>
-    <p:sldId id="266" r:id="rId11"/>
-    <p:sldId id="267" r:id="rId12"/>
-    <p:sldId id="269" r:id="rId13"/>
+    <p:sldId id="271" r:id="rId9"/>
+    <p:sldId id="265" r:id="rId10"/>
+    <p:sldId id="268" r:id="rId11"/>
+    <p:sldId id="266" r:id="rId12"/>
+    <p:sldId id="267" r:id="rId13"/>
+    <p:sldId id="269" r:id="rId14"/>
+    <p:sldId id="270" r:id="rId15"/>
   </p:sldIdLst>
   <p:sldSz cx="12192000" cy="6858000"/>
   <p:notesSz cx="6858000" cy="9144000"/>
@@ -115,6 +117,11 @@
       </a:defRPr>
     </a:lvl9pPr>
   </p:defaultTextStyle>
+  <p:extLst>
+    <p:ext uri="{EFAFB233-063F-42B5-8137-9DF3F51BA10A}">
+      <p15:sldGuideLst xmlns:p15="http://schemas.microsoft.com/office/powerpoint/2012/main"/>
+    </p:ext>
+  </p:extLst>
 </p:presentation>
 </file>
 
@@ -3446,7 +3453,7 @@
           <p:cNvPr id="2" name="Title 1">
             <a:extLst>
               <a:ext uri="{FF2B5EF4-FFF2-40B4-BE49-F238E27FC236}">
-                <a16:creationId xmlns:a16="http://schemas.microsoft.com/office/drawing/2014/main" id="{9A365A40-FC7F-49B2-8C30-D3C3DBA57164}"/>
+                <a16:creationId xmlns:a16="http://schemas.microsoft.com/office/drawing/2014/main" id="{6EE4D8FB-2932-4A2F-B740-2F53F50B64AC}"/>
               </a:ext>
             </a:extLst>
           </p:cNvPr>
@@ -3464,7 +3471,7 @@
           <a:p>
             <a:r>
               <a:rPr lang="en-US" dirty="0"/>
-              <a:t>Loading the modifications</a:t>
+              <a:t>And some CLR support</a:t>
             </a:r>
             <a:endParaRPr lang="en-GB" dirty="0"/>
           </a:p>
@@ -3475,7 +3482,7 @@
           <p:cNvPr id="3" name="Content Placeholder 2">
             <a:extLst>
               <a:ext uri="{FF2B5EF4-FFF2-40B4-BE49-F238E27FC236}">
-                <a16:creationId xmlns:a16="http://schemas.microsoft.com/office/drawing/2014/main" id="{70AB80FE-604D-4A64-8967-6DC36469D93D}"/>
+                <a16:creationId xmlns:a16="http://schemas.microsoft.com/office/drawing/2014/main" id="{5AA0ADD3-257E-49D1-A01A-25AB7EAEDA74}"/>
               </a:ext>
             </a:extLst>
           </p:cNvPr>
@@ -3493,21 +3500,14 @@
           <a:p>
             <a:r>
               <a:rPr lang="en-US" dirty="0"/>
-              <a:t>First we need a metadata, il and </a:t>
-            </a:r>
-            <a:r>
-              <a:rPr lang="en-US" dirty="0" err="1"/>
-              <a:t>pdb</a:t>
-            </a:r>
-            <a:r>
-              <a:rPr lang="en-US" dirty="0"/>
-              <a:t> diff</a:t>
-            </a:r>
-          </a:p>
-          <a:p>
-            <a:r>
-              <a:rPr lang="en-US" dirty="0"/>
-              <a:t>We can use Roslyn to generate these</a:t>
+              <a:t>Start up hooks</a:t>
+            </a:r>
+            <a:br>
+              <a:rPr lang="en-US" dirty="0"/>
+            </a:br>
+            <a:r>
+              <a:rPr lang="en-US" dirty="0"/>
+              <a:t>   so started by dotnet run </a:t>
             </a:r>
           </a:p>
           <a:p>
@@ -3516,13 +3516,7 @@
           <a:p>
             <a:r>
               <a:rPr lang="en-US" dirty="0"/>
-              <a:t>Weird that csc is no longer aimed at humans but is expected to be wrapped by a tool (see build.txt, Cutdown.txt)</a:t>
-            </a:r>
-          </a:p>
-          <a:p>
-            <a:r>
-              <a:rPr lang="en-US" dirty="0"/>
-              <a:t>See Builder project</a:t>
+              <a:t>Mark the assembly as modifiable</a:t>
             </a:r>
             <a:endParaRPr lang="en-GB" dirty="0"/>
           </a:p>
@@ -3531,7 +3525,7 @@
     </p:spTree>
     <p:extLst>
       <p:ext uri="{BB962C8B-B14F-4D97-AF65-F5344CB8AC3E}">
-        <p14:creationId xmlns:p14="http://schemas.microsoft.com/office/powerpoint/2010/main" val="3569054609"/>
+        <p14:creationId xmlns:p14="http://schemas.microsoft.com/office/powerpoint/2010/main" val="1045025357"/>
       </p:ext>
     </p:extLst>
   </p:cSld>
@@ -3563,7 +3557,7 @@
           <p:cNvPr id="2" name="Title 1">
             <a:extLst>
               <a:ext uri="{FF2B5EF4-FFF2-40B4-BE49-F238E27FC236}">
-                <a16:creationId xmlns:a16="http://schemas.microsoft.com/office/drawing/2014/main" id="{34A96CBA-D949-465B-98A2-4C90650864F0}"/>
+                <a16:creationId xmlns:a16="http://schemas.microsoft.com/office/drawing/2014/main" id="{9A365A40-FC7F-49B2-8C30-D3C3DBA57164}"/>
               </a:ext>
             </a:extLst>
           </p:cNvPr>
@@ -3581,7 +3575,7 @@
           <a:p>
             <a:r>
               <a:rPr lang="en-US" dirty="0"/>
-              <a:t>Dynamic loading </a:t>
+              <a:t>Loading the modifications</a:t>
             </a:r>
             <a:endParaRPr lang="en-GB" dirty="0"/>
           </a:p>
@@ -3592,7 +3586,7 @@
           <p:cNvPr id="3" name="Content Placeholder 2">
             <a:extLst>
               <a:ext uri="{FF2B5EF4-FFF2-40B4-BE49-F238E27FC236}">
-                <a16:creationId xmlns:a16="http://schemas.microsoft.com/office/drawing/2014/main" id="{432B4B6E-7D2E-43C1-B79D-06D2CE7B5FFF}"/>
+                <a16:creationId xmlns:a16="http://schemas.microsoft.com/office/drawing/2014/main" id="{70AB80FE-604D-4A64-8967-6DC36469D93D}"/>
               </a:ext>
             </a:extLst>
           </p:cNvPr>
@@ -3610,14 +3604,39 @@
           <a:p>
             <a:r>
               <a:rPr lang="en-US" dirty="0"/>
-              <a:t>We can call the update method to load the changes</a:t>
-            </a:r>
-            <a:br>
-              <a:rPr lang="en-US" dirty="0"/>
-            </a:br>
-            <a:r>
-              <a:rPr lang="en-US" dirty="0"/>
-              <a:t> … but we need to tell the CLR first to get ready</a:t>
+              <a:t>First we need a metadata, il and </a:t>
+            </a:r>
+            <a:r>
+              <a:rPr lang="en-US" dirty="0" err="1"/>
+              <a:t>pdb</a:t>
+            </a:r>
+            <a:r>
+              <a:rPr lang="en-US" dirty="0"/>
+              <a:t> diff</a:t>
+            </a:r>
+          </a:p>
+          <a:p>
+            <a:r>
+              <a:rPr lang="en-US" dirty="0"/>
+              <a:t>We can use Roslyn to generate these</a:t>
+            </a:r>
+          </a:p>
+          <a:p>
+            <a:endParaRPr lang="en-US" dirty="0"/>
+          </a:p>
+          <a:p>
+            <a:r>
+              <a:rPr lang="en-US" dirty="0"/>
+              <a:t>Weird that csc is no longer aimed at humans but is expected to be wrapped by a tool (see build.txt, Cutdown.txt)</a:t>
+            </a:r>
+          </a:p>
+          <a:p>
+            <a:endParaRPr lang="en-US" dirty="0"/>
+          </a:p>
+          <a:p>
+            <a:r>
+              <a:rPr lang="en-US" dirty="0"/>
+              <a:t>[DEMO See Builder project]</a:t>
             </a:r>
             <a:endParaRPr lang="en-GB" dirty="0"/>
           </a:p>
@@ -3626,7 +3645,7 @@
     </p:spTree>
     <p:extLst>
       <p:ext uri="{BB962C8B-B14F-4D97-AF65-F5344CB8AC3E}">
-        <p14:creationId xmlns:p14="http://schemas.microsoft.com/office/powerpoint/2010/main" val="1850812420"/>
+        <p14:creationId xmlns:p14="http://schemas.microsoft.com/office/powerpoint/2010/main" val="3569054609"/>
       </p:ext>
     </p:extLst>
   </p:cSld>
@@ -3658,6 +3677,113 @@
           <p:cNvPr id="2" name="Title 1">
             <a:extLst>
               <a:ext uri="{FF2B5EF4-FFF2-40B4-BE49-F238E27FC236}">
+                <a16:creationId xmlns:a16="http://schemas.microsoft.com/office/drawing/2014/main" id="{34A96CBA-D949-465B-98A2-4C90650864F0}"/>
+              </a:ext>
+            </a:extLst>
+          </p:cNvPr>
+          <p:cNvSpPr>
+            <a:spLocks noGrp="1"/>
+          </p:cNvSpPr>
+          <p:nvPr>
+            <p:ph type="title"/>
+          </p:nvPr>
+        </p:nvSpPr>
+        <p:spPr/>
+        <p:txBody>
+          <a:bodyPr/>
+          <a:lstStyle/>
+          <a:p>
+            <a:r>
+              <a:rPr lang="en-US" dirty="0"/>
+              <a:t>Dynamic loading </a:t>
+            </a:r>
+            <a:endParaRPr lang="en-GB" dirty="0"/>
+          </a:p>
+        </p:txBody>
+      </p:sp>
+      <p:sp>
+        <p:nvSpPr>
+          <p:cNvPr id="3" name="Content Placeholder 2">
+            <a:extLst>
+              <a:ext uri="{FF2B5EF4-FFF2-40B4-BE49-F238E27FC236}">
+                <a16:creationId xmlns:a16="http://schemas.microsoft.com/office/drawing/2014/main" id="{432B4B6E-7D2E-43C1-B79D-06D2CE7B5FFF}"/>
+              </a:ext>
+            </a:extLst>
+          </p:cNvPr>
+          <p:cNvSpPr>
+            <a:spLocks noGrp="1"/>
+          </p:cNvSpPr>
+          <p:nvPr>
+            <p:ph idx="1"/>
+          </p:nvPr>
+        </p:nvSpPr>
+        <p:spPr/>
+        <p:txBody>
+          <a:bodyPr/>
+          <a:lstStyle/>
+          <a:p>
+            <a:r>
+              <a:rPr lang="en-US" dirty="0"/>
+              <a:t>We can call the update method to load the changes</a:t>
+            </a:r>
+            <a:br>
+              <a:rPr lang="en-US" dirty="0"/>
+            </a:br>
+            <a:r>
+              <a:rPr lang="en-US" dirty="0"/>
+              <a:t> … but we need to tell the CLR first to get ready</a:t>
+            </a:r>
+          </a:p>
+          <a:p>
+            <a:endParaRPr lang="en-US" dirty="0"/>
+          </a:p>
+          <a:p>
+            <a:endParaRPr lang="en-US" dirty="0"/>
+          </a:p>
+          <a:p>
+            <a:r>
+              <a:rPr lang="en-US" dirty="0"/>
+              <a:t>[DEMO run outside dotnet watch]</a:t>
+            </a:r>
+            <a:endParaRPr lang="en-GB" dirty="0"/>
+          </a:p>
+        </p:txBody>
+      </p:sp>
+    </p:spTree>
+    <p:extLst>
+      <p:ext uri="{BB962C8B-B14F-4D97-AF65-F5344CB8AC3E}">
+        <p14:creationId xmlns:p14="http://schemas.microsoft.com/office/powerpoint/2010/main" val="1850812420"/>
+      </p:ext>
+    </p:extLst>
+  </p:cSld>
+  <p:clrMapOvr>
+    <a:masterClrMapping/>
+  </p:clrMapOvr>
+</p:sld>
+</file>
+
+<file path=ppt/slides/slide13.xml><?xml version="1.0" encoding="utf-8"?>
+<p:sld xmlns:a="http://schemas.openxmlformats.org/drawingml/2006/main" xmlns:r="http://schemas.openxmlformats.org/officeDocument/2006/relationships" xmlns:p="http://schemas.openxmlformats.org/presentationml/2006/main">
+  <p:cSld>
+    <p:spTree>
+      <p:nvGrpSpPr>
+        <p:cNvPr id="1" name=""/>
+        <p:cNvGrpSpPr/>
+        <p:nvPr/>
+      </p:nvGrpSpPr>
+      <p:grpSpPr>
+        <a:xfrm>
+          <a:off x="0" y="0"/>
+          <a:ext cx="0" cy="0"/>
+          <a:chOff x="0" y="0"/>
+          <a:chExt cx="0" cy="0"/>
+        </a:xfrm>
+      </p:grpSpPr>
+      <p:sp>
+        <p:nvSpPr>
+          <p:cNvPr id="2" name="Title 1">
+            <a:extLst>
+              <a:ext uri="{FF2B5EF4-FFF2-40B4-BE49-F238E27FC236}">
                 <a16:creationId xmlns:a16="http://schemas.microsoft.com/office/drawing/2014/main" id="{86BC0256-AACA-4271-9239-CF440B49C3D3}"/>
               </a:ext>
             </a:extLst>
@@ -3723,17 +3849,6 @@
           </a:p>
           <a:p>
             <a:endParaRPr lang="en-US" dirty="0"/>
-          </a:p>
-          <a:p>
-            <a:r>
-              <a:rPr lang="en-US" dirty="0"/>
-              <a:t>But note this isn’t real </a:t>
-            </a:r>
-            <a:r>
-              <a:rPr lang="en-US"/>
-              <a:t>on-stack replacement</a:t>
-            </a:r>
-            <a:endParaRPr lang="en-GB" dirty="0"/>
           </a:p>
         </p:txBody>
       </p:sp>
@@ -3741,6 +3856,115 @@
     <p:extLst>
       <p:ext uri="{BB962C8B-B14F-4D97-AF65-F5344CB8AC3E}">
         <p14:creationId xmlns:p14="http://schemas.microsoft.com/office/powerpoint/2010/main" val="756789681"/>
+      </p:ext>
+    </p:extLst>
+  </p:cSld>
+  <p:clrMapOvr>
+    <a:masterClrMapping/>
+  </p:clrMapOvr>
+</p:sld>
+</file>
+
+<file path=ppt/slides/slide14.xml><?xml version="1.0" encoding="utf-8"?>
+<p:sld xmlns:a="http://schemas.openxmlformats.org/drawingml/2006/main" xmlns:r="http://schemas.openxmlformats.org/officeDocument/2006/relationships" xmlns:p="http://schemas.openxmlformats.org/presentationml/2006/main">
+  <p:cSld>
+    <p:spTree>
+      <p:nvGrpSpPr>
+        <p:cNvPr id="1" name=""/>
+        <p:cNvGrpSpPr/>
+        <p:nvPr/>
+      </p:nvGrpSpPr>
+      <p:grpSpPr>
+        <a:xfrm>
+          <a:off x="0" y="0"/>
+          <a:ext cx="0" cy="0"/>
+          <a:chOff x="0" y="0"/>
+          <a:chExt cx="0" cy="0"/>
+        </a:xfrm>
+      </p:grpSpPr>
+      <p:sp>
+        <p:nvSpPr>
+          <p:cNvPr id="2" name="Title 1">
+            <a:extLst>
+              <a:ext uri="{FF2B5EF4-FFF2-40B4-BE49-F238E27FC236}">
+                <a16:creationId xmlns:a16="http://schemas.microsoft.com/office/drawing/2014/main" id="{D17B6B04-CE20-4C2B-BCC7-8E0D8940F132}"/>
+              </a:ext>
+            </a:extLst>
+          </p:cNvPr>
+          <p:cNvSpPr>
+            <a:spLocks noGrp="1"/>
+          </p:cNvSpPr>
+          <p:nvPr>
+            <p:ph type="title"/>
+          </p:nvPr>
+        </p:nvSpPr>
+        <p:spPr/>
+        <p:txBody>
+          <a:bodyPr/>
+          <a:lstStyle/>
+          <a:p>
+            <a:r>
+              <a:rPr lang="en-US" dirty="0"/>
+              <a:t>On stack replacement?</a:t>
+            </a:r>
+            <a:endParaRPr lang="en-GB" dirty="0"/>
+          </a:p>
+        </p:txBody>
+      </p:sp>
+      <p:sp>
+        <p:nvSpPr>
+          <p:cNvPr id="3" name="Content Placeholder 2">
+            <a:extLst>
+              <a:ext uri="{FF2B5EF4-FFF2-40B4-BE49-F238E27FC236}">
+                <a16:creationId xmlns:a16="http://schemas.microsoft.com/office/drawing/2014/main" id="{24D7F5AE-0351-4F75-BC47-864782B764AF}"/>
+              </a:ext>
+            </a:extLst>
+          </p:cNvPr>
+          <p:cNvSpPr>
+            <a:spLocks noGrp="1"/>
+          </p:cNvSpPr>
+          <p:nvPr>
+            <p:ph idx="1"/>
+          </p:nvPr>
+        </p:nvSpPr>
+        <p:spPr/>
+        <p:txBody>
+          <a:bodyPr/>
+          <a:lstStyle/>
+          <a:p>
+            <a:r>
+              <a:rPr lang="en-US" dirty="0"/>
+              <a:t>No </a:t>
+            </a:r>
+          </a:p>
+          <a:p>
+            <a:endParaRPr lang="en-US" dirty="0"/>
+          </a:p>
+          <a:p>
+            <a:r>
+              <a:rPr lang="en-US" dirty="0"/>
+              <a:t>[DEMO see </a:t>
+            </a:r>
+            <a:r>
+              <a:rPr lang="en-US" dirty="0" err="1"/>
+              <a:t>NotOSR</a:t>
+            </a:r>
+            <a:r>
+              <a:rPr lang="en-US" dirty="0"/>
+              <a:t> project first in dotnet watch and </a:t>
+            </a:r>
+            <a:r>
+              <a:rPr lang="en-US"/>
+              <a:t>then debugger]</a:t>
+            </a:r>
+            <a:endParaRPr lang="en-GB" dirty="0"/>
+          </a:p>
+        </p:txBody>
+      </p:sp>
+    </p:spTree>
+    <p:extLst>
+      <p:ext uri="{BB962C8B-B14F-4D97-AF65-F5344CB8AC3E}">
+        <p14:creationId xmlns:p14="http://schemas.microsoft.com/office/powerpoint/2010/main" val="2948265664"/>
       </p:ext>
     </p:extLst>
   </p:cSld>
@@ -3934,7 +4158,7 @@
         <p:spPr/>
         <p:txBody>
           <a:bodyPr>
-            <a:normAutofit lnSpcReduction="10000"/>
+            <a:normAutofit fontScale="92500" lnSpcReduction="10000"/>
           </a:bodyPr>
           <a:lstStyle/>
           <a:p>
@@ -3971,8 +4195,12 @@
             </a:r>
             <a:r>
               <a:rPr lang="en-US" dirty="0"/>
-              <a:t> flag and early Roslyn</a:t>
-            </a:r>
+              <a:t> flag (/Enc) and early Roslyn</a:t>
+            </a:r>
+            <a:br>
+              <a:rPr lang="en-US" dirty="0"/>
+            </a:br>
+            <a:endParaRPr lang="en-US" dirty="0"/>
           </a:p>
           <a:p>
             <a:r>
@@ -4217,7 +4445,15 @@
             </a:br>
             <a:r>
               <a:rPr lang="en-US" dirty="0"/>
-              <a:t>[DEMO]</a:t>
+              <a:t>[DEMO – </a:t>
+            </a:r>
+            <a:r>
+              <a:rPr lang="en-US" dirty="0" err="1"/>
+              <a:t>TheInnerLoop.csproj</a:t>
+            </a:r>
+            <a:r>
+              <a:rPr lang="en-US" dirty="0"/>
+              <a:t>]</a:t>
             </a:r>
             <a:endParaRPr lang="en-GB" dirty="0"/>
           </a:p>
@@ -4487,7 +4723,7 @@
           <p:cNvPr id="2" name="Title 1">
             <a:extLst>
               <a:ext uri="{FF2B5EF4-FFF2-40B4-BE49-F238E27FC236}">
-                <a16:creationId xmlns:a16="http://schemas.microsoft.com/office/drawing/2014/main" id="{4BC52966-14C5-4275-9E4C-901F8C16ECB4}"/>
+                <a16:creationId xmlns:a16="http://schemas.microsoft.com/office/drawing/2014/main" id="{465DC93D-3510-4C90-BC4B-90EF68746C7D}"/>
               </a:ext>
             </a:extLst>
           </p:cNvPr>
@@ -4498,19 +4734,14 @@
             <p:ph type="title"/>
           </p:nvPr>
         </p:nvSpPr>
-        <p:spPr>
-          <a:xfrm>
-            <a:off x="838200" y="365125"/>
-            <a:ext cx="10515600" cy="797469"/>
-          </a:xfrm>
-        </p:spPr>
-        <p:txBody>
-          <a:bodyPr/>
-          <a:lstStyle/>
-          <a:p>
-            <a:r>
-              <a:rPr lang="en-US" dirty="0"/>
-              <a:t>Under the covers</a:t>
+        <p:spPr/>
+        <p:txBody>
+          <a:bodyPr/>
+          <a:lstStyle/>
+          <a:p>
+            <a:r>
+              <a:rPr lang="en-US" dirty="0"/>
+              <a:t>Not just debugger supported anymore</a:t>
             </a:r>
             <a:endParaRPr lang="en-GB" dirty="0"/>
           </a:p>
@@ -4521,7 +4752,7 @@
           <p:cNvPr id="3" name="Content Placeholder 2">
             <a:extLst>
               <a:ext uri="{FF2B5EF4-FFF2-40B4-BE49-F238E27FC236}">
-                <a16:creationId xmlns:a16="http://schemas.microsoft.com/office/drawing/2014/main" id="{F491F689-9325-497F-8883-E4BF27ACA42B}"/>
+                <a16:creationId xmlns:a16="http://schemas.microsoft.com/office/drawing/2014/main" id="{4A3CF870-F6A2-458B-82A2-00D9846E8227}"/>
               </a:ext>
             </a:extLst>
           </p:cNvPr>
@@ -4532,64 +4763,59 @@
             <p:ph idx="1"/>
           </p:nvPr>
         </p:nvSpPr>
-        <p:spPr>
-          <a:xfrm>
-            <a:off x="838200" y="1232171"/>
-            <a:ext cx="10515600" cy="523875"/>
-          </a:xfrm>
-        </p:spPr>
-        <p:txBody>
-          <a:bodyPr/>
-          <a:lstStyle/>
-          <a:p>
-            <a:r>
-              <a:rPr lang="en-US" dirty="0"/>
-              <a:t>Made available by dotnet watch  [DEMO]</a:t>
+        <p:spPr/>
+        <p:txBody>
+          <a:bodyPr/>
+          <a:lstStyle/>
+          <a:p>
+            <a:r>
+              <a:rPr lang="en-US" dirty="0"/>
+              <a:t>ICorDebug2 interface added </a:t>
+            </a:r>
+            <a:r>
+              <a:rPr lang="en-US" dirty="0" err="1"/>
+              <a:t>ApplyChanges</a:t>
+            </a:r>
+            <a:br>
+              <a:rPr lang="en-US" dirty="0"/>
+            </a:br>
+            <a:r>
+              <a:rPr lang="en-US" dirty="0"/>
+              <a:t>   </a:t>
+            </a:r>
+            <a:r>
+              <a:rPr lang="en-US" dirty="0">
+                <a:hlinkClick r:id="rId2"/>
+              </a:rPr>
+              <a:t>https://docs.microsoft.com/en-us/dotnet/framework/unmanaged-api/debugging/icordebugmodule2-applychanges-method</a:t>
+            </a:r>
+            <a:endParaRPr lang="en-US" dirty="0"/>
+          </a:p>
+          <a:p>
+            <a:endParaRPr lang="en-US" dirty="0"/>
+          </a:p>
+          <a:p>
+            <a:r>
+              <a:rPr lang="en-US" dirty="0"/>
+              <a:t>There’s also function remapping to change to a given IL offset</a:t>
+            </a:r>
+          </a:p>
+          <a:p>
+            <a:endParaRPr lang="en-US" dirty="0"/>
+          </a:p>
+          <a:p>
+            <a:r>
+              <a:rPr lang="en-US" dirty="0"/>
+              <a:t>[DEMO – dotnet watch]</a:t>
             </a:r>
             <a:endParaRPr lang="en-GB" dirty="0"/>
           </a:p>
         </p:txBody>
       </p:sp>
-      <p:pic>
-        <p:nvPicPr>
-          <p:cNvPr id="5" name="Picture 4" descr="Graphical user interface, text, application&#10;&#10;Description automatically generated">
-            <a:extLst>
-              <a:ext uri="{FF2B5EF4-FFF2-40B4-BE49-F238E27FC236}">
-                <a16:creationId xmlns:a16="http://schemas.microsoft.com/office/drawing/2014/main" id="{D573CF40-1DF6-4A06-BDCE-DD753B086C6C}"/>
-              </a:ext>
-            </a:extLst>
-          </p:cNvPr>
-          <p:cNvPicPr>
-            <a:picLocks noChangeAspect="1"/>
-          </p:cNvPicPr>
-          <p:nvPr/>
-        </p:nvPicPr>
-        <p:blipFill>
-          <a:blip r:embed="rId2">
-            <a:extLst>
-              <a:ext uri="{28A0092B-C50C-407E-A947-70E740481C1C}">
-                <a14:useLocalDpi xmlns:a14="http://schemas.microsoft.com/office/drawing/2010/main" val="0"/>
-              </a:ext>
-            </a:extLst>
-          </a:blip>
-          <a:stretch>
-            <a:fillRect/>
-          </a:stretch>
-        </p:blipFill>
-        <p:spPr>
-          <a:xfrm>
-            <a:off x="354874" y="1863947"/>
-            <a:ext cx="12192000" cy="4628928"/>
-          </a:xfrm>
-          <a:prstGeom prst="rect">
-            <a:avLst/>
-          </a:prstGeom>
-        </p:spPr>
-      </p:pic>
     </p:spTree>
     <p:extLst>
       <p:ext uri="{BB962C8B-B14F-4D97-AF65-F5344CB8AC3E}">
-        <p14:creationId xmlns:p14="http://schemas.microsoft.com/office/powerpoint/2010/main" val="1658468816"/>
+        <p14:creationId xmlns:p14="http://schemas.microsoft.com/office/powerpoint/2010/main" val="3699921214"/>
       </p:ext>
     </p:extLst>
   </p:cSld>
@@ -4621,7 +4847,7 @@
           <p:cNvPr id="2" name="Title 1">
             <a:extLst>
               <a:ext uri="{FF2B5EF4-FFF2-40B4-BE49-F238E27FC236}">
-                <a16:creationId xmlns:a16="http://schemas.microsoft.com/office/drawing/2014/main" id="{6EE4D8FB-2932-4A2F-B740-2F53F50B64AC}"/>
+                <a16:creationId xmlns:a16="http://schemas.microsoft.com/office/drawing/2014/main" id="{4BC52966-14C5-4275-9E4C-901F8C16ECB4}"/>
               </a:ext>
             </a:extLst>
           </p:cNvPr>
@@ -4632,14 +4858,19 @@
             <p:ph type="title"/>
           </p:nvPr>
         </p:nvSpPr>
-        <p:spPr/>
-        <p:txBody>
-          <a:bodyPr/>
-          <a:lstStyle/>
-          <a:p>
-            <a:r>
-              <a:rPr lang="en-US" dirty="0"/>
-              <a:t>And some CLR support</a:t>
+        <p:spPr>
+          <a:xfrm>
+            <a:off x="838200" y="365125"/>
+            <a:ext cx="10515600" cy="797469"/>
+          </a:xfrm>
+        </p:spPr>
+        <p:txBody>
+          <a:bodyPr/>
+          <a:lstStyle/>
+          <a:p>
+            <a:r>
+              <a:rPr lang="en-US" dirty="0"/>
+              <a:t>Under the covers</a:t>
             </a:r>
             <a:endParaRPr lang="en-GB" dirty="0"/>
           </a:p>
@@ -4650,7 +4881,7 @@
           <p:cNvPr id="3" name="Content Placeholder 2">
             <a:extLst>
               <a:ext uri="{FF2B5EF4-FFF2-40B4-BE49-F238E27FC236}">
-                <a16:creationId xmlns:a16="http://schemas.microsoft.com/office/drawing/2014/main" id="{5AA0ADD3-257E-49D1-A01A-25AB7EAEDA74}"/>
+                <a16:creationId xmlns:a16="http://schemas.microsoft.com/office/drawing/2014/main" id="{F491F689-9325-497F-8883-E4BF27ACA42B}"/>
               </a:ext>
             </a:extLst>
           </p:cNvPr>
@@ -4661,29 +4892,64 @@
             <p:ph idx="1"/>
           </p:nvPr>
         </p:nvSpPr>
-        <p:spPr/>
-        <p:txBody>
-          <a:bodyPr/>
-          <a:lstStyle/>
-          <a:p>
-            <a:r>
-              <a:rPr lang="en-US" dirty="0"/>
-              <a:t>Start up hooks</a:t>
-            </a:r>
-          </a:p>
-          <a:p>
-            <a:r>
-              <a:rPr lang="en-US" dirty="0"/>
-              <a:t>Mark the assembly as modifiable</a:t>
+        <p:spPr>
+          <a:xfrm>
+            <a:off x="838200" y="1232171"/>
+            <a:ext cx="10515600" cy="523875"/>
+          </a:xfrm>
+        </p:spPr>
+        <p:txBody>
+          <a:bodyPr/>
+          <a:lstStyle/>
+          <a:p>
+            <a:r>
+              <a:rPr lang="en-US" dirty="0"/>
+              <a:t>Made available by dotnet watch  [DEMO]</a:t>
             </a:r>
             <a:endParaRPr lang="en-GB" dirty="0"/>
           </a:p>
         </p:txBody>
       </p:sp>
+      <p:pic>
+        <p:nvPicPr>
+          <p:cNvPr id="5" name="Picture 4" descr="Graphical user interface, text, application&#10;&#10;Description automatically generated">
+            <a:extLst>
+              <a:ext uri="{FF2B5EF4-FFF2-40B4-BE49-F238E27FC236}">
+                <a16:creationId xmlns:a16="http://schemas.microsoft.com/office/drawing/2014/main" id="{D573CF40-1DF6-4A06-BDCE-DD753B086C6C}"/>
+              </a:ext>
+            </a:extLst>
+          </p:cNvPr>
+          <p:cNvPicPr>
+            <a:picLocks noChangeAspect="1"/>
+          </p:cNvPicPr>
+          <p:nvPr/>
+        </p:nvPicPr>
+        <p:blipFill>
+          <a:blip r:embed="rId2">
+            <a:extLst>
+              <a:ext uri="{28A0092B-C50C-407E-A947-70E740481C1C}">
+                <a14:useLocalDpi xmlns:a14="http://schemas.microsoft.com/office/drawing/2010/main" val="0"/>
+              </a:ext>
+            </a:extLst>
+          </a:blip>
+          <a:stretch>
+            <a:fillRect/>
+          </a:stretch>
+        </p:blipFill>
+        <p:spPr>
+          <a:xfrm>
+            <a:off x="354874" y="1863947"/>
+            <a:ext cx="12192000" cy="4628928"/>
+          </a:xfrm>
+          <a:prstGeom prst="rect">
+            <a:avLst/>
+          </a:prstGeom>
+        </p:spPr>
+      </p:pic>
     </p:spTree>
     <p:extLst>
       <p:ext uri="{BB962C8B-B14F-4D97-AF65-F5344CB8AC3E}">
-        <p14:creationId xmlns:p14="http://schemas.microsoft.com/office/powerpoint/2010/main" val="1045025357"/>
+        <p14:creationId xmlns:p14="http://schemas.microsoft.com/office/powerpoint/2010/main" val="1658468816"/>
       </p:ext>
     </p:extLst>
   </p:cSld>

--- a/EnCForTheWin/HotReloadAndEditAndContinue.pptx
+++ b/EnCForTheWin/HotReloadAndEditAndContinue.pptx
@@ -274,7 +274,7 @@
           <a:p>
             <a:fld id="{ECC17E55-C9A7-466D-8537-C1BA07AC869C}" type="datetimeFigureOut">
               <a:rPr lang="en-GB" smtClean="0"/>
-              <a:t>15/08/2021</a:t>
+              <a:t>18/08/2021</a:t>
             </a:fld>
             <a:endParaRPr lang="en-GB"/>
           </a:p>
@@ -474,7 +474,7 @@
           <a:p>
             <a:fld id="{ECC17E55-C9A7-466D-8537-C1BA07AC869C}" type="datetimeFigureOut">
               <a:rPr lang="en-GB" smtClean="0"/>
-              <a:t>15/08/2021</a:t>
+              <a:t>18/08/2021</a:t>
             </a:fld>
             <a:endParaRPr lang="en-GB"/>
           </a:p>
@@ -684,7 +684,7 @@
           <a:p>
             <a:fld id="{ECC17E55-C9A7-466D-8537-C1BA07AC869C}" type="datetimeFigureOut">
               <a:rPr lang="en-GB" smtClean="0"/>
-              <a:t>15/08/2021</a:t>
+              <a:t>18/08/2021</a:t>
             </a:fld>
             <a:endParaRPr lang="en-GB"/>
           </a:p>
@@ -884,7 +884,7 @@
           <a:p>
             <a:fld id="{ECC17E55-C9A7-466D-8537-C1BA07AC869C}" type="datetimeFigureOut">
               <a:rPr lang="en-GB" smtClean="0"/>
-              <a:t>15/08/2021</a:t>
+              <a:t>18/08/2021</a:t>
             </a:fld>
             <a:endParaRPr lang="en-GB"/>
           </a:p>
@@ -1160,7 +1160,7 @@
           <a:p>
             <a:fld id="{ECC17E55-C9A7-466D-8537-C1BA07AC869C}" type="datetimeFigureOut">
               <a:rPr lang="en-GB" smtClean="0"/>
-              <a:t>15/08/2021</a:t>
+              <a:t>18/08/2021</a:t>
             </a:fld>
             <a:endParaRPr lang="en-GB"/>
           </a:p>
@@ -1428,7 +1428,7 @@
           <a:p>
             <a:fld id="{ECC17E55-C9A7-466D-8537-C1BA07AC869C}" type="datetimeFigureOut">
               <a:rPr lang="en-GB" smtClean="0"/>
-              <a:t>15/08/2021</a:t>
+              <a:t>18/08/2021</a:t>
             </a:fld>
             <a:endParaRPr lang="en-GB"/>
           </a:p>
@@ -1843,7 +1843,7 @@
           <a:p>
             <a:fld id="{ECC17E55-C9A7-466D-8537-C1BA07AC869C}" type="datetimeFigureOut">
               <a:rPr lang="en-GB" smtClean="0"/>
-              <a:t>15/08/2021</a:t>
+              <a:t>18/08/2021</a:t>
             </a:fld>
             <a:endParaRPr lang="en-GB"/>
           </a:p>
@@ -1985,7 +1985,7 @@
           <a:p>
             <a:fld id="{ECC17E55-C9A7-466D-8537-C1BA07AC869C}" type="datetimeFigureOut">
               <a:rPr lang="en-GB" smtClean="0"/>
-              <a:t>15/08/2021</a:t>
+              <a:t>18/08/2021</a:t>
             </a:fld>
             <a:endParaRPr lang="en-GB"/>
           </a:p>
@@ -2098,7 +2098,7 @@
           <a:p>
             <a:fld id="{ECC17E55-C9A7-466D-8537-C1BA07AC869C}" type="datetimeFigureOut">
               <a:rPr lang="en-GB" smtClean="0"/>
-              <a:t>15/08/2021</a:t>
+              <a:t>18/08/2021</a:t>
             </a:fld>
             <a:endParaRPr lang="en-GB"/>
           </a:p>
@@ -2411,7 +2411,7 @@
           <a:p>
             <a:fld id="{ECC17E55-C9A7-466D-8537-C1BA07AC869C}" type="datetimeFigureOut">
               <a:rPr lang="en-GB" smtClean="0"/>
-              <a:t>15/08/2021</a:t>
+              <a:t>18/08/2021</a:t>
             </a:fld>
             <a:endParaRPr lang="en-GB"/>
           </a:p>
@@ -2700,7 +2700,7 @@
           <a:p>
             <a:fld id="{ECC17E55-C9A7-466D-8537-C1BA07AC869C}" type="datetimeFigureOut">
               <a:rPr lang="en-GB" smtClean="0"/>
-              <a:t>15/08/2021</a:t>
+              <a:t>18/08/2021</a:t>
             </a:fld>
             <a:endParaRPr lang="en-GB"/>
           </a:p>
@@ -2943,7 +2943,7 @@
           <a:p>
             <a:fld id="{ECC17E55-C9A7-466D-8537-C1BA07AC869C}" type="datetimeFigureOut">
               <a:rPr lang="en-GB" smtClean="0"/>
-              <a:t>15/08/2021</a:t>
+              <a:t>18/08/2021</a:t>
             </a:fld>
             <a:endParaRPr lang="en-GB"/>
           </a:p>
@@ -3500,6 +3500,12 @@
           <a:p>
             <a:r>
               <a:rPr lang="en-US" dirty="0"/>
+              <a:t>Make the load available in managed code</a:t>
+            </a:r>
+          </a:p>
+          <a:p>
+            <a:r>
+              <a:rPr lang="en-US" dirty="0"/>
               <a:t>Start up hooks</a:t>
             </a:r>
             <a:br>
@@ -3509,9 +3515,6 @@
               <a:rPr lang="en-US" dirty="0"/>
               <a:t>   so started by dotnet run </a:t>
             </a:r>
-          </a:p>
-          <a:p>
-            <a:endParaRPr lang="en-US" dirty="0"/>
           </a:p>
           <a:p>
             <a:r>
@@ -4445,11 +4448,11 @@
             </a:br>
             <a:r>
               <a:rPr lang="en-US" dirty="0"/>
-              <a:t>[DEMO – </a:t>
+              <a:t>[DEMO – the flame - </a:t>
             </a:r>
             <a:r>
               <a:rPr lang="en-US" dirty="0" err="1"/>
-              <a:t>TheInnerLoop.csproj</a:t>
+              <a:t>TheInnerLoop</a:t>
             </a:r>
             <a:r>
               <a:rPr lang="en-US" dirty="0"/>
@@ -4659,9 +4662,6 @@
             </a:r>
           </a:p>
           <a:p>
-            <a:endParaRPr lang="en-US" dirty="0"/>
-          </a:p>
-          <a:p>
             <a:r>
               <a:rPr lang="en-US" dirty="0"/>
               <a:t>Exploratory programming</a:t>
@@ -4672,19 +4672,34 @@
               <a:rPr lang="en-US" dirty="0"/>
               <a:t>In particular, using code to investigate the state of the system</a:t>
             </a:r>
-            <a:br>
-              <a:rPr lang="en-US" dirty="0"/>
-            </a:br>
-            <a:br>
-              <a:rPr lang="en-US" dirty="0"/>
-            </a:br>
-            <a:endParaRPr lang="en-US" dirty="0"/>
           </a:p>
           <a:p>
             <a:r>
               <a:rPr lang="en-GB" dirty="0"/>
               <a:t>&lt;Rant disabled&gt;</a:t>
             </a:r>
+          </a:p>
+          <a:p>
+            <a:endParaRPr lang="en-GB" dirty="0"/>
+          </a:p>
+          <a:p>
+            <a:r>
+              <a:rPr lang="en-GB" dirty="0"/>
+              <a:t>[Demo – </a:t>
+            </a:r>
+            <a:r>
+              <a:rPr lang="en-GB" dirty="0" err="1"/>
+              <a:t>TheInnerLoop</a:t>
+            </a:r>
+            <a:r>
+              <a:rPr lang="en-GB" dirty="0"/>
+              <a:t> – call from </a:t>
+            </a:r>
+            <a:r>
+              <a:rPr lang="en-GB"/>
+              <a:t>inside immediate]</a:t>
+            </a:r>
+            <a:endParaRPr lang="en-GB" dirty="0"/>
           </a:p>
         </p:txBody>
       </p:sp>
@@ -4806,7 +4821,15 @@
           <a:p>
             <a:r>
               <a:rPr lang="en-US" dirty="0"/>
-              <a:t>[DEMO – dotnet watch]</a:t>
+              <a:t>[DEMO – dotnet watch - </a:t>
+            </a:r>
+            <a:r>
+              <a:rPr lang="en-US" dirty="0" err="1"/>
+              <a:t>TheInnerLoop</a:t>
+            </a:r>
+            <a:r>
+              <a:rPr lang="en-US" dirty="0"/>
+              <a:t>]</a:t>
             </a:r>
             <a:endParaRPr lang="en-GB" dirty="0"/>
           </a:p>
@@ -4876,40 +4899,6 @@
           </a:p>
         </p:txBody>
       </p:sp>
-      <p:sp>
-        <p:nvSpPr>
-          <p:cNvPr id="3" name="Content Placeholder 2">
-            <a:extLst>
-              <a:ext uri="{FF2B5EF4-FFF2-40B4-BE49-F238E27FC236}">
-                <a16:creationId xmlns:a16="http://schemas.microsoft.com/office/drawing/2014/main" id="{F491F689-9325-497F-8883-E4BF27ACA42B}"/>
-              </a:ext>
-            </a:extLst>
-          </p:cNvPr>
-          <p:cNvSpPr>
-            <a:spLocks noGrp="1"/>
-          </p:cNvSpPr>
-          <p:nvPr>
-            <p:ph idx="1"/>
-          </p:nvPr>
-        </p:nvSpPr>
-        <p:spPr>
-          <a:xfrm>
-            <a:off x="838200" y="1232171"/>
-            <a:ext cx="10515600" cy="523875"/>
-          </a:xfrm>
-        </p:spPr>
-        <p:txBody>
-          <a:bodyPr/>
-          <a:lstStyle/>
-          <a:p>
-            <a:r>
-              <a:rPr lang="en-US" dirty="0"/>
-              <a:t>Made available by dotnet watch  [DEMO]</a:t>
-            </a:r>
-            <a:endParaRPr lang="en-GB" dirty="0"/>
-          </a:p>
-        </p:txBody>
-      </p:sp>
       <p:pic>
         <p:nvPicPr>
           <p:cNvPr id="5" name="Picture 4" descr="Graphical user interface, text, application&#10;&#10;Description automatically generated">
@@ -4938,7 +4927,7 @@
         </p:blipFill>
         <p:spPr>
           <a:xfrm>
-            <a:off x="354874" y="1863947"/>
+            <a:off x="100874" y="1432147"/>
             <a:ext cx="12192000" cy="4628928"/>
           </a:xfrm>
           <a:prstGeom prst="rect">
